--- a/week4/day1/others/Course_DS_Presentation_Jun_2020.pptx
+++ b/week4/day1/others/Course_DS_Presentation_Jun_2020.pptx
@@ -306,7 +306,7 @@
             <a:fld id="{87DE6118-2437-4B30-8E3C-4D2BE6020583}" type="datetimeFigureOut">
               <a:rPr lang="en-US" dirty="0"/>
               <a:pPr/>
-              <a:t>7/4/2020</a:t>
+              <a:t>7/6/2020</a:t>
             </a:fld>
             <a:endParaRPr lang="en-US" dirty="0"/>
           </a:p>
@@ -632,7 +632,7 @@
           <a:p>
             <a:fld id="{87DE6118-2437-4B30-8E3C-4D2BE6020583}" type="datetimeFigureOut">
               <a:rPr lang="en-US" dirty="0"/>
-              <a:t>7/4/2020</a:t>
+              <a:t>7/6/2020</a:t>
             </a:fld>
             <a:endParaRPr lang="en-US" dirty="0"/>
           </a:p>
@@ -807,7 +807,7 @@
           <a:p>
             <a:fld id="{87DE6118-2437-4B30-8E3C-4D2BE6020583}" type="datetimeFigureOut">
               <a:rPr lang="en-US" dirty="0"/>
-              <a:t>7/4/2020</a:t>
+              <a:t>7/6/2020</a:t>
             </a:fld>
             <a:endParaRPr lang="en-US" dirty="0"/>
           </a:p>
@@ -972,7 +972,7 @@
           <a:p>
             <a:fld id="{87DE6118-2437-4B30-8E3C-4D2BE6020583}" type="datetimeFigureOut">
               <a:rPr lang="en-US" dirty="0"/>
-              <a:t>7/4/2020</a:t>
+              <a:t>7/6/2020</a:t>
             </a:fld>
             <a:endParaRPr lang="en-US" dirty="0"/>
           </a:p>
@@ -1245,7 +1245,7 @@
             <a:fld id="{87DE6118-2437-4B30-8E3C-4D2BE6020583}" type="datetimeFigureOut">
               <a:rPr lang="en-US" dirty="0"/>
               <a:pPr/>
-              <a:t>7/4/2020</a:t>
+              <a:t>7/6/2020</a:t>
             </a:fld>
             <a:endParaRPr lang="en-US" dirty="0"/>
           </a:p>
@@ -1635,7 +1635,7 @@
           <a:p>
             <a:fld id="{87DE6118-2437-4B30-8E3C-4D2BE6020583}" type="datetimeFigureOut">
               <a:rPr lang="en-US" dirty="0"/>
-              <a:t>7/4/2020</a:t>
+              <a:t>7/6/2020</a:t>
             </a:fld>
             <a:endParaRPr lang="en-US" dirty="0"/>
           </a:p>
@@ -2107,7 +2107,7 @@
           <a:p>
             <a:fld id="{87DE6118-2437-4B30-8E3C-4D2BE6020583}" type="datetimeFigureOut">
               <a:rPr lang="en-US" dirty="0"/>
-              <a:t>7/4/2020</a:t>
+              <a:t>7/6/2020</a:t>
             </a:fld>
             <a:endParaRPr lang="en-US" dirty="0"/>
           </a:p>
@@ -2220,7 +2220,7 @@
           <a:p>
             <a:fld id="{87DE6118-2437-4B30-8E3C-4D2BE6020583}" type="datetimeFigureOut">
               <a:rPr lang="en-US" dirty="0"/>
-              <a:t>7/4/2020</a:t>
+              <a:t>7/6/2020</a:t>
             </a:fld>
             <a:endParaRPr lang="en-US" dirty="0"/>
           </a:p>
@@ -2310,7 +2310,7 @@
           <a:p>
             <a:fld id="{87DE6118-2437-4B30-8E3C-4D2BE6020583}" type="datetimeFigureOut">
               <a:rPr lang="en-US" dirty="0"/>
-              <a:t>7/4/2020</a:t>
+              <a:t>7/6/2020</a:t>
             </a:fld>
             <a:endParaRPr lang="en-US" dirty="0"/>
           </a:p>
@@ -2652,7 +2652,7 @@
             <a:fld id="{87DE6118-2437-4B30-8E3C-4D2BE6020583}" type="datetimeFigureOut">
               <a:rPr lang="en-US" dirty="0"/>
               <a:pPr/>
-              <a:t>7/4/2020</a:t>
+              <a:t>7/6/2020</a:t>
             </a:fld>
             <a:endParaRPr lang="en-US" dirty="0"/>
           </a:p>
@@ -3037,7 +3037,7 @@
             <a:fld id="{87DE6118-2437-4B30-8E3C-4D2BE6020583}" type="datetimeFigureOut">
               <a:rPr lang="en-US" dirty="0"/>
               <a:pPr/>
-              <a:t>7/4/2020</a:t>
+              <a:t>7/6/2020</a:t>
             </a:fld>
             <a:endParaRPr lang="en-US" dirty="0"/>
           </a:p>
@@ -3312,7 +3312,7 @@
             <a:fld id="{87DE6118-2437-4B30-8E3C-4D2BE6020583}" type="datetimeFigureOut">
               <a:rPr lang="en-US" dirty="0"/>
               <a:pPr/>
-              <a:t>7/4/2020</a:t>
+              <a:t>7/6/2020</a:t>
             </a:fld>
             <a:endParaRPr lang="en-US" dirty="0"/>
           </a:p>
@@ -6553,7 +6553,7 @@
           <a:p>
             <a:pPr algn="ctr"/>
             <a:r>
-              <a:rPr lang="en-US" sz="6700" cap="all"/>
+              <a:rPr lang="en-US" sz="6000" cap="all" dirty="0"/>
               <a:t>PREGUNTAS</a:t>
             </a:r>
           </a:p>
